--- a/PresentationUML.pptx
+++ b/PresentationUML.pptx
@@ -5,10 +5,10 @@
     <p:sldMasterId id="2147483658" r:id="rId4"/>
   </p:sldMasterIdLst>
   <p:notesMasterIdLst>
-    <p:notesMasterId r:id="rId14"/>
+    <p:notesMasterId r:id="rId16"/>
   </p:notesMasterIdLst>
   <p:handoutMasterIdLst>
-    <p:handoutMasterId r:id="rId15"/>
+    <p:handoutMasterId r:id="rId17"/>
   </p:handoutMasterIdLst>
   <p:sldIdLst>
     <p:sldId id="350" r:id="rId5"/>
@@ -18,8 +18,10 @@
     <p:sldId id="354" r:id="rId9"/>
     <p:sldId id="353" r:id="rId10"/>
     <p:sldId id="364" r:id="rId11"/>
-    <p:sldId id="368" r:id="rId12"/>
-    <p:sldId id="369" r:id="rId13"/>
+    <p:sldId id="370" r:id="rId12"/>
+    <p:sldId id="371" r:id="rId13"/>
+    <p:sldId id="368" r:id="rId14"/>
+    <p:sldId id="369" r:id="rId15"/>
   </p:sldIdLst>
   <p:sldSz cx="12192000" cy="6858000"/>
   <p:notesSz cx="6858000" cy="9144000"/>
@@ -135,6 +137,113 @@
 </p:cmAuthorLst>
 </file>
 
+<file path=ppt/revisionInfo.xml><?xml version="1.0" encoding="utf-8"?>
+<p1510:revInfo xmlns:a="http://schemas.openxmlformats.org/drawingml/2006/main" xmlns:r="http://schemas.openxmlformats.org/officeDocument/2006/relationships" xmlns:p1510="http://schemas.microsoft.com/office/powerpoint/2015/10/main">
+  <p1510:revLst>
+    <p1510:client id="{108834D0-51B1-4282-95D1-C0B8D67384F1}" v="4" dt="2023-06-06T11:39:47.837"/>
+  </p1510:revLst>
+</p1510:revInfo>
+</file>
+
+<file path=ppt/changesInfos/changesInfo1.xml><?xml version="1.0" encoding="utf-8"?>
+<pc:chgInfo xmlns:a="http://schemas.openxmlformats.org/drawingml/2006/main" xmlns:r="http://schemas.openxmlformats.org/officeDocument/2006/relationships" xmlns:ac="http://schemas.microsoft.com/office/drawing/2013/main/command" xmlns:pc="http://schemas.microsoft.com/office/powerpoint/2013/main/command">
+  <pc:docChgLst>
+    <pc:chgData name="Clement Giraudon" userId="49dee31732ae638a" providerId="LiveId" clId="{108834D0-51B1-4282-95D1-C0B8D67384F1}"/>
+    <pc:docChg chg="undo custSel addSld modSld">
+      <pc:chgData name="Clement Giraudon" userId="49dee31732ae638a" providerId="LiveId" clId="{108834D0-51B1-4282-95D1-C0B8D67384F1}" dt="2023-06-06T11:39:51.318" v="127" actId="962"/>
+      <pc:docMkLst>
+        <pc:docMk/>
+      </pc:docMkLst>
+      <pc:sldChg chg="addSp delSp modSp mod">
+        <pc:chgData name="Clement Giraudon" userId="49dee31732ae638a" providerId="LiveId" clId="{108834D0-51B1-4282-95D1-C0B8D67384F1}" dt="2023-06-06T11:39:33.519" v="119" actId="1076"/>
+        <pc:sldMkLst>
+          <pc:docMk/>
+          <pc:sldMk cId="643842168" sldId="364"/>
+        </pc:sldMkLst>
+        <pc:picChg chg="add del mod">
+          <ac:chgData name="Clement Giraudon" userId="49dee31732ae638a" providerId="LiveId" clId="{108834D0-51B1-4282-95D1-C0B8D67384F1}" dt="2023-06-06T11:39:21.998" v="115" actId="478"/>
+          <ac:picMkLst>
+            <pc:docMk/>
+            <pc:sldMk cId="643842168" sldId="364"/>
+            <ac:picMk id="7" creationId="{3C0D438D-FBE2-CA0D-B762-3D35166C79E7}"/>
+          </ac:picMkLst>
+        </pc:picChg>
+        <pc:picChg chg="add mod">
+          <ac:chgData name="Clement Giraudon" userId="49dee31732ae638a" providerId="LiveId" clId="{108834D0-51B1-4282-95D1-C0B8D67384F1}" dt="2023-06-06T11:39:33.519" v="119" actId="1076"/>
+          <ac:picMkLst>
+            <pc:docMk/>
+            <pc:sldMk cId="643842168" sldId="364"/>
+            <ac:picMk id="8" creationId="{3309BAB6-5590-D901-54B0-DD4C428539C6}"/>
+          </ac:picMkLst>
+        </pc:picChg>
+      </pc:sldChg>
+      <pc:sldChg chg="addSp delSp modSp add mod">
+        <pc:chgData name="Clement Giraudon" userId="49dee31732ae638a" providerId="LiveId" clId="{108834D0-51B1-4282-95D1-C0B8D67384F1}" dt="2023-06-06T11:39:42.798" v="123" actId="1076"/>
+        <pc:sldMkLst>
+          <pc:docMk/>
+          <pc:sldMk cId="1358387891" sldId="370"/>
+        </pc:sldMkLst>
+        <pc:spChg chg="mod">
+          <ac:chgData name="Clement Giraudon" userId="49dee31732ae638a" providerId="LiveId" clId="{108834D0-51B1-4282-95D1-C0B8D67384F1}" dt="2023-06-06T11:38:58.801" v="60" actId="20577"/>
+          <ac:spMkLst>
+            <pc:docMk/>
+            <pc:sldMk cId="1358387891" sldId="370"/>
+            <ac:spMk id="2" creationId="{8C122DF8-59D4-D94D-8ED9-F2F319899DBF}"/>
+          </ac:spMkLst>
+        </pc:spChg>
+        <pc:picChg chg="del">
+          <ac:chgData name="Clement Giraudon" userId="49dee31732ae638a" providerId="LiveId" clId="{108834D0-51B1-4282-95D1-C0B8D67384F1}" dt="2023-06-06T11:38:35.765" v="7" actId="478"/>
+          <ac:picMkLst>
+            <pc:docMk/>
+            <pc:sldMk cId="1358387891" sldId="370"/>
+            <ac:picMk id="7" creationId="{3C0D438D-FBE2-CA0D-B762-3D35166C79E7}"/>
+          </ac:picMkLst>
+        </pc:picChg>
+        <pc:picChg chg="add mod">
+          <ac:chgData name="Clement Giraudon" userId="49dee31732ae638a" providerId="LiveId" clId="{108834D0-51B1-4282-95D1-C0B8D67384F1}" dt="2023-06-06T11:39:42.798" v="123" actId="1076"/>
+          <ac:picMkLst>
+            <pc:docMk/>
+            <pc:sldMk cId="1358387891" sldId="370"/>
+            <ac:picMk id="8" creationId="{2C770441-1568-46C5-4155-CE2780FFD852}"/>
+          </ac:picMkLst>
+        </pc:picChg>
+      </pc:sldChg>
+      <pc:sldChg chg="addSp delSp modSp add mod">
+        <pc:chgData name="Clement Giraudon" userId="49dee31732ae638a" providerId="LiveId" clId="{108834D0-51B1-4282-95D1-C0B8D67384F1}" dt="2023-06-06T11:39:51.318" v="127" actId="962"/>
+        <pc:sldMkLst>
+          <pc:docMk/>
+          <pc:sldMk cId="821686821" sldId="371"/>
+        </pc:sldMkLst>
+        <pc:spChg chg="mod">
+          <ac:chgData name="Clement Giraudon" userId="49dee31732ae638a" providerId="LiveId" clId="{108834D0-51B1-4282-95D1-C0B8D67384F1}" dt="2023-06-06T11:39:18.605" v="114" actId="20577"/>
+          <ac:spMkLst>
+            <pc:docMk/>
+            <pc:sldMk cId="821686821" sldId="371"/>
+            <ac:spMk id="2" creationId="{8C122DF8-59D4-D94D-8ED9-F2F319899DBF}"/>
+          </ac:spMkLst>
+        </pc:spChg>
+        <pc:picChg chg="del">
+          <ac:chgData name="Clement Giraudon" userId="49dee31732ae638a" providerId="LiveId" clId="{108834D0-51B1-4282-95D1-C0B8D67384F1}" dt="2023-06-06T11:38:37.103" v="8" actId="478"/>
+          <ac:picMkLst>
+            <pc:docMk/>
+            <pc:sldMk cId="821686821" sldId="371"/>
+            <ac:picMk id="7" creationId="{3C0D438D-FBE2-CA0D-B762-3D35166C79E7}"/>
+          </ac:picMkLst>
+        </pc:picChg>
+        <pc:picChg chg="add mod">
+          <ac:chgData name="Clement Giraudon" userId="49dee31732ae638a" providerId="LiveId" clId="{108834D0-51B1-4282-95D1-C0B8D67384F1}" dt="2023-06-06T11:39:51.318" v="127" actId="962"/>
+          <ac:picMkLst>
+            <pc:docMk/>
+            <pc:sldMk cId="821686821" sldId="371"/>
+            <ac:picMk id="8" creationId="{D79AE04F-FF63-BA2F-2B44-7A84A857D736}"/>
+          </ac:picMkLst>
+        </pc:picChg>
+      </pc:sldChg>
+    </pc:docChg>
+  </pc:docChgLst>
+</pc:chgInfo>
+</file>
+
 <file path=ppt/handoutMasters/handoutMaster1.xml><?xml version="1.0" encoding="utf-8"?>
 <p:handoutMaster xmlns:a="http://schemas.openxmlformats.org/drawingml/2006/main" xmlns:r="http://schemas.openxmlformats.org/officeDocument/2006/relationships" xmlns:p="http://schemas.openxmlformats.org/presentationml/2006/main">
   <p:cSld>
@@ -371,7 +480,7 @@
             <a:pPr rtl="0"/>
             <a:fld id="{BF6ECA55-825B-40C4-AA80-03964DC4EE0C}" type="datetime1">
               <a:rPr lang="fr-FR" noProof="0" smtClean="0"/>
-              <a:t>04/06/2023</a:t>
+              <a:t>06/06/2023</a:t>
             </a:fld>
             <a:endParaRPr lang="fr-FR" noProof="0" dirty="0"/>
           </a:p>
@@ -727,6 +836,176 @@
 </p:notes>
 </file>
 
+<file path=ppt/notesSlides/notesSlide10.xml><?xml version="1.0" encoding="utf-8"?>
+<p:notes xmlns:a="http://schemas.openxmlformats.org/drawingml/2006/main" xmlns:r="http://schemas.openxmlformats.org/officeDocument/2006/relationships" xmlns:p="http://schemas.openxmlformats.org/presentationml/2006/main">
+  <p:cSld>
+    <p:spTree>
+      <p:nvGrpSpPr>
+        <p:cNvPr id="1" name=""/>
+        <p:cNvGrpSpPr/>
+        <p:nvPr/>
+      </p:nvGrpSpPr>
+      <p:grpSpPr>
+        <a:xfrm>
+          <a:off x="0" y="0"/>
+          <a:ext cx="0" cy="0"/>
+          <a:chOff x="0" y="0"/>
+          <a:chExt cx="0" cy="0"/>
+        </a:xfrm>
+      </p:grpSpPr>
+      <p:sp>
+        <p:nvSpPr>
+          <p:cNvPr id="2" name="Espace réservé de l'image des diapositives 1"/>
+          <p:cNvSpPr>
+            <a:spLocks noGrp="1" noRot="1" noChangeAspect="1"/>
+          </p:cNvSpPr>
+          <p:nvPr>
+            <p:ph type="sldImg"/>
+          </p:nvPr>
+        </p:nvSpPr>
+        <p:spPr/>
+      </p:sp>
+      <p:sp>
+        <p:nvSpPr>
+          <p:cNvPr id="3" name="Espace réservé des notes 2"/>
+          <p:cNvSpPr>
+            <a:spLocks noGrp="1"/>
+          </p:cNvSpPr>
+          <p:nvPr>
+            <p:ph type="body" idx="1"/>
+          </p:nvPr>
+        </p:nvSpPr>
+        <p:spPr/>
+        <p:txBody>
+          <a:bodyPr/>
+          <a:lstStyle/>
+          <a:p>
+            <a:endParaRPr lang="fr-FR"/>
+          </a:p>
+        </p:txBody>
+      </p:sp>
+      <p:sp>
+        <p:nvSpPr>
+          <p:cNvPr id="4" name="Espace réservé du numéro de diapositive 3"/>
+          <p:cNvSpPr>
+            <a:spLocks noGrp="1"/>
+          </p:cNvSpPr>
+          <p:nvPr>
+            <p:ph type="sldNum" sz="quarter" idx="5"/>
+          </p:nvPr>
+        </p:nvSpPr>
+        <p:spPr/>
+        <p:txBody>
+          <a:bodyPr/>
+          <a:lstStyle/>
+          <a:p>
+            <a:pPr rtl="0"/>
+            <a:fld id="{A89C7E07-3C67-C64C-8DA0-0404F6303970}" type="slidenum">
+              <a:rPr lang="fr-FR" smtClean="0"/>
+              <a:t>10</a:t>
+            </a:fld>
+            <a:endParaRPr lang="fr-FR"/>
+          </a:p>
+        </p:txBody>
+      </p:sp>
+    </p:spTree>
+    <p:extLst>
+      <p:ext uri="{BB962C8B-B14F-4D97-AF65-F5344CB8AC3E}">
+        <p14:creationId xmlns:p14="http://schemas.microsoft.com/office/powerpoint/2010/main" val="3731231115"/>
+      </p:ext>
+    </p:extLst>
+  </p:cSld>
+  <p:clrMapOvr>
+    <a:masterClrMapping/>
+  </p:clrMapOvr>
+</p:notes>
+</file>
+
+<file path=ppt/notesSlides/notesSlide11.xml><?xml version="1.0" encoding="utf-8"?>
+<p:notes xmlns:a="http://schemas.openxmlformats.org/drawingml/2006/main" xmlns:r="http://schemas.openxmlformats.org/officeDocument/2006/relationships" xmlns:p="http://schemas.openxmlformats.org/presentationml/2006/main">
+  <p:cSld>
+    <p:spTree>
+      <p:nvGrpSpPr>
+        <p:cNvPr id="1" name=""/>
+        <p:cNvGrpSpPr/>
+        <p:nvPr/>
+      </p:nvGrpSpPr>
+      <p:grpSpPr>
+        <a:xfrm>
+          <a:off x="0" y="0"/>
+          <a:ext cx="0" cy="0"/>
+          <a:chOff x="0" y="0"/>
+          <a:chExt cx="0" cy="0"/>
+        </a:xfrm>
+      </p:grpSpPr>
+      <p:sp>
+        <p:nvSpPr>
+          <p:cNvPr id="2" name="Espace réservé de l'image des diapositives 1"/>
+          <p:cNvSpPr>
+            <a:spLocks noGrp="1" noRot="1" noChangeAspect="1"/>
+          </p:cNvSpPr>
+          <p:nvPr>
+            <p:ph type="sldImg"/>
+          </p:nvPr>
+        </p:nvSpPr>
+        <p:spPr/>
+      </p:sp>
+      <p:sp>
+        <p:nvSpPr>
+          <p:cNvPr id="3" name="Espace réservé des notes 2"/>
+          <p:cNvSpPr>
+            <a:spLocks noGrp="1"/>
+          </p:cNvSpPr>
+          <p:nvPr>
+            <p:ph type="body" idx="1"/>
+          </p:nvPr>
+        </p:nvSpPr>
+        <p:spPr/>
+        <p:txBody>
+          <a:bodyPr/>
+          <a:lstStyle/>
+          <a:p>
+            <a:endParaRPr lang="fr-FR"/>
+          </a:p>
+        </p:txBody>
+      </p:sp>
+      <p:sp>
+        <p:nvSpPr>
+          <p:cNvPr id="4" name="Espace réservé du numéro de diapositive 3"/>
+          <p:cNvSpPr>
+            <a:spLocks noGrp="1"/>
+          </p:cNvSpPr>
+          <p:nvPr>
+            <p:ph type="sldNum" sz="quarter" idx="5"/>
+          </p:nvPr>
+        </p:nvSpPr>
+        <p:spPr/>
+        <p:txBody>
+          <a:bodyPr/>
+          <a:lstStyle/>
+          <a:p>
+            <a:pPr rtl="0"/>
+            <a:fld id="{A89C7E07-3C67-C64C-8DA0-0404F6303970}" type="slidenum">
+              <a:rPr lang="fr-FR" smtClean="0"/>
+              <a:t>11</a:t>
+            </a:fld>
+            <a:endParaRPr lang="fr-FR"/>
+          </a:p>
+        </p:txBody>
+      </p:sp>
+    </p:spTree>
+    <p:extLst>
+      <p:ext uri="{BB962C8B-B14F-4D97-AF65-F5344CB8AC3E}">
+        <p14:creationId xmlns:p14="http://schemas.microsoft.com/office/powerpoint/2010/main" val="3510887473"/>
+      </p:ext>
+    </p:extLst>
+  </p:cSld>
+  <p:clrMapOvr>
+    <a:masterClrMapping/>
+  </p:clrMapOvr>
+</p:notes>
+</file>
+
 <file path=ppt/notesSlides/notesSlide2.xml><?xml version="1.0" encoding="utf-8"?>
 <p:notes xmlns:a="http://schemas.openxmlformats.org/drawingml/2006/main" xmlns:r="http://schemas.openxmlformats.org/officeDocument/2006/relationships" xmlns:p="http://schemas.openxmlformats.org/presentationml/2006/main">
   <p:cSld>
@@ -1312,7 +1591,7 @@
     </p:spTree>
     <p:extLst>
       <p:ext uri="{BB962C8B-B14F-4D97-AF65-F5344CB8AC3E}">
-        <p14:creationId xmlns:p14="http://schemas.microsoft.com/office/powerpoint/2010/main" val="3731231115"/>
+        <p14:creationId xmlns:p14="http://schemas.microsoft.com/office/powerpoint/2010/main" val="4188926540"/>
       </p:ext>
     </p:extLst>
   </p:cSld>
@@ -1397,7 +1676,7 @@
     </p:spTree>
     <p:extLst>
       <p:ext uri="{BB962C8B-B14F-4D97-AF65-F5344CB8AC3E}">
-        <p14:creationId xmlns:p14="http://schemas.microsoft.com/office/powerpoint/2010/main" val="3510887473"/>
+        <p14:creationId xmlns:p14="http://schemas.microsoft.com/office/powerpoint/2010/main" val="287985324"/>
       </p:ext>
     </p:extLst>
   </p:cSld>
@@ -2728,7 +3007,7 @@
               <a:rPr lang="fr-FR" noProof="0" smtClean="0">
                 <a:latin typeface="+mn-lt"/>
               </a:rPr>
-              <a:t>4 juin 2023</a:t>
+              <a:t>6 juin 2023</a:t>
             </a:fld>
             <a:endParaRPr lang="fr-FR" noProof="0" dirty="0">
               <a:latin typeface="+mn-lt"/>
@@ -3864,7 +4143,7 @@
               <a:rPr lang="fr-FR" noProof="0" smtClean="0">
                 <a:latin typeface="+mn-lt"/>
               </a:rPr>
-              <a:t>4 juin 2023</a:t>
+              <a:t>6 juin 2023</a:t>
             </a:fld>
             <a:endParaRPr lang="fr-FR" noProof="0" dirty="0">
               <a:latin typeface="+mn-lt"/>
@@ -4999,7 +5278,7 @@
               <a:rPr lang="fr-FR" noProof="0" smtClean="0">
                 <a:latin typeface="+mn-lt"/>
               </a:rPr>
-              <a:t>4 juin 2023</a:t>
+              <a:t>6 juin 2023</a:t>
             </a:fld>
             <a:endParaRPr lang="fr-FR" noProof="0" dirty="0">
               <a:latin typeface="+mn-lt"/>
@@ -7311,7 +7590,7 @@
               <a:rPr lang="fr-FR" noProof="0" smtClean="0">
                 <a:latin typeface="+mn-lt"/>
               </a:rPr>
-              <a:t>4 juin 2023</a:t>
+              <a:t>6 juin 2023</a:t>
             </a:fld>
             <a:endParaRPr lang="fr-FR" noProof="0" dirty="0">
               <a:latin typeface="+mn-lt"/>
@@ -7953,7 +8232,7 @@
               <a:rPr lang="fr-FR" noProof="0" smtClean="0">
                 <a:latin typeface="+mn-lt"/>
               </a:rPr>
-              <a:t>4 juin 2023</a:t>
+              <a:t>6 juin 2023</a:t>
             </a:fld>
             <a:endParaRPr lang="fr-FR" noProof="0" dirty="0">
               <a:latin typeface="+mn-lt"/>
@@ -8730,7 +9009,7 @@
               <a:rPr lang="fr-FR" noProof="0" smtClean="0">
                 <a:latin typeface="+mn-lt"/>
               </a:rPr>
-              <a:t>4 juin 2023</a:t>
+              <a:t>6 juin 2023</a:t>
             </a:fld>
             <a:endParaRPr lang="fr-FR" noProof="0">
               <a:latin typeface="+mn-lt"/>
@@ -8998,7 +9277,7 @@
               <a:rPr lang="fr-FR" noProof="0" smtClean="0">
                 <a:latin typeface="+mn-lt"/>
               </a:rPr>
-              <a:t>4 juin 2023</a:t>
+              <a:t>6 juin 2023</a:t>
             </a:fld>
             <a:endParaRPr lang="fr-FR" noProof="0">
               <a:latin typeface="+mn-lt"/>
@@ -11948,7 +12227,7 @@
               <a:rPr lang="fr-FR" noProof="0" smtClean="0">
                 <a:latin typeface="+mn-lt"/>
               </a:rPr>
-              <a:t>4 juin 2023</a:t>
+              <a:t>6 juin 2023</a:t>
             </a:fld>
             <a:endParaRPr lang="fr-FR" noProof="0" dirty="0">
               <a:latin typeface="+mn-lt"/>
@@ -13125,7 +13404,7 @@
               <a:rPr lang="fr-FR" noProof="0" smtClean="0">
                 <a:latin typeface="+mn-lt"/>
               </a:rPr>
-              <a:t>4 juin 2023</a:t>
+              <a:t>6 juin 2023</a:t>
             </a:fld>
             <a:endParaRPr lang="fr-FR" noProof="0">
               <a:latin typeface="+mn-lt"/>
@@ -13444,7 +13723,7 @@
               <a:rPr lang="fr-FR" noProof="0" smtClean="0">
                 <a:latin typeface="+mn-lt"/>
               </a:rPr>
-              <a:t>4 juin 2023</a:t>
+              <a:t>6 juin 2023</a:t>
             </a:fld>
             <a:endParaRPr lang="fr-FR" noProof="0">
               <a:latin typeface="+mn-lt"/>
@@ -14111,6 +14390,364 @@
 </p:sld>
 </file>
 
+<file path=ppt/slides/slide10.xml><?xml version="1.0" encoding="utf-8"?>
+<p:sld xmlns:a="http://schemas.openxmlformats.org/drawingml/2006/main" xmlns:r="http://schemas.openxmlformats.org/officeDocument/2006/relationships" xmlns:p="http://schemas.openxmlformats.org/presentationml/2006/main">
+  <p:cSld>
+    <p:spTree>
+      <p:nvGrpSpPr>
+        <p:cNvPr id="1" name=""/>
+        <p:cNvGrpSpPr/>
+        <p:nvPr/>
+      </p:nvGrpSpPr>
+      <p:grpSpPr>
+        <a:xfrm>
+          <a:off x="0" y="0"/>
+          <a:ext cx="0" cy="0"/>
+          <a:chOff x="0" y="0"/>
+          <a:chExt cx="0" cy="0"/>
+        </a:xfrm>
+      </p:grpSpPr>
+      <p:sp>
+        <p:nvSpPr>
+          <p:cNvPr id="2" name="Titre 1">
+            <a:extLst>
+              <a:ext uri="{FF2B5EF4-FFF2-40B4-BE49-F238E27FC236}">
+                <a16:creationId xmlns:a16="http://schemas.microsoft.com/office/drawing/2014/main" id="{8C122DF8-59D4-D94D-8ED9-F2F319899DBF}"/>
+              </a:ext>
+            </a:extLst>
+          </p:cNvPr>
+          <p:cNvSpPr>
+            <a:spLocks noGrp="1"/>
+          </p:cNvSpPr>
+          <p:nvPr>
+            <p:ph type="title"/>
+          </p:nvPr>
+        </p:nvSpPr>
+        <p:spPr>
+          <a:xfrm>
+            <a:off x="964023" y="879063"/>
+            <a:ext cx="6118566" cy="610863"/>
+          </a:xfrm>
+        </p:spPr>
+        <p:txBody>
+          <a:bodyPr rtlCol="0">
+            <a:normAutofit fontScale="90000"/>
+          </a:bodyPr>
+          <a:lstStyle/>
+          <a:p>
+            <a:pPr rtl="0"/>
+            <a:r>
+              <a:rPr lang="fr-FR" dirty="0"/>
+              <a:t>Procédure de test</a:t>
+            </a:r>
+            <a:br>
+              <a:rPr lang="fr-FR" dirty="0"/>
+            </a:br>
+            <a:r>
+              <a:rPr lang="fr-FR" sz="2700" b="0" i="1" dirty="0"/>
+              <a:t>Détection d’un capteur dysfonctionnel</a:t>
+            </a:r>
+          </a:p>
+        </p:txBody>
+      </p:sp>
+      <p:sp>
+        <p:nvSpPr>
+          <p:cNvPr id="5" name="Espace réservé du numéro de diapositive 4">
+            <a:extLst>
+              <a:ext uri="{FF2B5EF4-FFF2-40B4-BE49-F238E27FC236}">
+                <a16:creationId xmlns:a16="http://schemas.microsoft.com/office/drawing/2014/main" id="{AB744071-0CE2-7746-9315-22EC28A0F462}"/>
+              </a:ext>
+            </a:extLst>
+          </p:cNvPr>
+          <p:cNvSpPr>
+            <a:spLocks noGrp="1"/>
+          </p:cNvSpPr>
+          <p:nvPr>
+            <p:ph type="sldNum" sz="quarter" idx="23"/>
+          </p:nvPr>
+        </p:nvSpPr>
+        <p:spPr>
+          <a:xfrm>
+            <a:off x="971550" y="6332220"/>
+            <a:ext cx="523240" cy="247651"/>
+          </a:xfrm>
+        </p:spPr>
+        <p:txBody>
+          <a:bodyPr rtlCol="0"/>
+          <a:lstStyle/>
+          <a:p>
+            <a:pPr rtl="0"/>
+            <a:fld id="{294A09A9-5501-47C1-A89A-A340965A2BE2}" type="slidenum">
+              <a:rPr lang="fr-FR" smtClean="0"/>
+              <a:pPr rtl="0"/>
+              <a:t>10</a:t>
+            </a:fld>
+            <a:endParaRPr lang="fr-FR"/>
+          </a:p>
+        </p:txBody>
+      </p:sp>
+      <p:sp>
+        <p:nvSpPr>
+          <p:cNvPr id="4" name="Espace réservé du pied de page 3">
+            <a:extLst>
+              <a:ext uri="{FF2B5EF4-FFF2-40B4-BE49-F238E27FC236}">
+                <a16:creationId xmlns:a16="http://schemas.microsoft.com/office/drawing/2014/main" id="{529E91F3-E1A0-DB4A-8CD8-D9D1AB0FFB40}"/>
+              </a:ext>
+            </a:extLst>
+          </p:cNvPr>
+          <p:cNvSpPr>
+            <a:spLocks noGrp="1"/>
+          </p:cNvSpPr>
+          <p:nvPr>
+            <p:ph type="ftr" sz="quarter" idx="22"/>
+          </p:nvPr>
+        </p:nvSpPr>
+        <p:spPr>
+          <a:xfrm>
+            <a:off x="1494790" y="6332220"/>
+            <a:ext cx="1497330" cy="247651"/>
+          </a:xfrm>
+        </p:spPr>
+        <p:txBody>
+          <a:bodyPr rtlCol="0"/>
+          <a:lstStyle/>
+          <a:p>
+            <a:pPr rtl="0"/>
+            <a:r>
+              <a:rPr lang="fr-FR" dirty="0" err="1"/>
+              <a:t>AirWatcher</a:t>
+            </a:r>
+            <a:endParaRPr lang="fr-FR" dirty="0"/>
+          </a:p>
+        </p:txBody>
+      </p:sp>
+      <p:sp>
+        <p:nvSpPr>
+          <p:cNvPr id="3" name="Espace réservé de la date 2">
+            <a:extLst>
+              <a:ext uri="{FF2B5EF4-FFF2-40B4-BE49-F238E27FC236}">
+                <a16:creationId xmlns:a16="http://schemas.microsoft.com/office/drawing/2014/main" id="{4D5B7634-ADBA-124F-B8CA-431F07F18D44}"/>
+              </a:ext>
+            </a:extLst>
+          </p:cNvPr>
+          <p:cNvSpPr>
+            <a:spLocks noGrp="1"/>
+          </p:cNvSpPr>
+          <p:nvPr>
+            <p:ph type="dt" sz="half" idx="21"/>
+          </p:nvPr>
+        </p:nvSpPr>
+        <p:spPr>
+          <a:xfrm>
+            <a:off x="2992120" y="6332220"/>
+            <a:ext cx="1313180" cy="247651"/>
+          </a:xfrm>
+        </p:spPr>
+        <p:txBody>
+          <a:bodyPr rtlCol="0"/>
+          <a:lstStyle/>
+          <a:p>
+            <a:pPr rtl="0"/>
+            <a:fld id="{96012727-D5AB-4EAD-B29A-A79D263D6E35}" type="datetime4">
+              <a:rPr lang="fr-FR" smtClean="0"/>
+              <a:t>6 juin 2023</a:t>
+            </a:fld>
+            <a:endParaRPr lang="fr-FR"/>
+          </a:p>
+        </p:txBody>
+      </p:sp>
+    </p:spTree>
+    <p:extLst>
+      <p:ext uri="{BB962C8B-B14F-4D97-AF65-F5344CB8AC3E}">
+        <p14:creationId xmlns:p14="http://schemas.microsoft.com/office/powerpoint/2010/main" val="2945713897"/>
+      </p:ext>
+    </p:extLst>
+  </p:cSld>
+  <p:clrMapOvr>
+    <a:masterClrMapping/>
+  </p:clrMapOvr>
+</p:sld>
+</file>
+
+<file path=ppt/slides/slide11.xml><?xml version="1.0" encoding="utf-8"?>
+<p:sld xmlns:a="http://schemas.openxmlformats.org/drawingml/2006/main" xmlns:r="http://schemas.openxmlformats.org/officeDocument/2006/relationships" xmlns:p="http://schemas.openxmlformats.org/presentationml/2006/main">
+  <p:cSld>
+    <p:spTree>
+      <p:nvGrpSpPr>
+        <p:cNvPr id="1" name=""/>
+        <p:cNvGrpSpPr/>
+        <p:nvPr/>
+      </p:nvGrpSpPr>
+      <p:grpSpPr>
+        <a:xfrm>
+          <a:off x="0" y="0"/>
+          <a:ext cx="0" cy="0"/>
+          <a:chOff x="0" y="0"/>
+          <a:chExt cx="0" cy="0"/>
+        </a:xfrm>
+      </p:grpSpPr>
+      <p:sp>
+        <p:nvSpPr>
+          <p:cNvPr id="2" name="Titre 1">
+            <a:extLst>
+              <a:ext uri="{FF2B5EF4-FFF2-40B4-BE49-F238E27FC236}">
+                <a16:creationId xmlns:a16="http://schemas.microsoft.com/office/drawing/2014/main" id="{8C122DF8-59D4-D94D-8ED9-F2F319899DBF}"/>
+              </a:ext>
+            </a:extLst>
+          </p:cNvPr>
+          <p:cNvSpPr>
+            <a:spLocks noGrp="1"/>
+          </p:cNvSpPr>
+          <p:nvPr>
+            <p:ph type="title"/>
+          </p:nvPr>
+        </p:nvSpPr>
+        <p:spPr>
+          <a:xfrm>
+            <a:off x="964023" y="879063"/>
+            <a:ext cx="6118566" cy="610863"/>
+          </a:xfrm>
+        </p:spPr>
+        <p:txBody>
+          <a:bodyPr rtlCol="0">
+            <a:normAutofit fontScale="90000"/>
+          </a:bodyPr>
+          <a:lstStyle/>
+          <a:p>
+            <a:pPr rtl="0"/>
+            <a:r>
+              <a:rPr lang="fr-FR" dirty="0"/>
+              <a:t>Algorithme pseudo-code</a:t>
+            </a:r>
+            <a:br>
+              <a:rPr lang="fr-FR" dirty="0"/>
+            </a:br>
+            <a:r>
+              <a:rPr lang="fr-FR" sz="2700" b="0" i="1" dirty="0"/>
+              <a:t>Détection d’un capteur dysfonctionnel</a:t>
+            </a:r>
+          </a:p>
+        </p:txBody>
+      </p:sp>
+      <p:sp>
+        <p:nvSpPr>
+          <p:cNvPr id="5" name="Espace réservé du numéro de diapositive 4">
+            <a:extLst>
+              <a:ext uri="{FF2B5EF4-FFF2-40B4-BE49-F238E27FC236}">
+                <a16:creationId xmlns:a16="http://schemas.microsoft.com/office/drawing/2014/main" id="{AB744071-0CE2-7746-9315-22EC28A0F462}"/>
+              </a:ext>
+            </a:extLst>
+          </p:cNvPr>
+          <p:cNvSpPr>
+            <a:spLocks noGrp="1"/>
+          </p:cNvSpPr>
+          <p:nvPr>
+            <p:ph type="sldNum" sz="quarter" idx="23"/>
+          </p:nvPr>
+        </p:nvSpPr>
+        <p:spPr>
+          <a:xfrm>
+            <a:off x="971550" y="6332220"/>
+            <a:ext cx="523240" cy="247651"/>
+          </a:xfrm>
+        </p:spPr>
+        <p:txBody>
+          <a:bodyPr rtlCol="0"/>
+          <a:lstStyle/>
+          <a:p>
+            <a:pPr rtl="0"/>
+            <a:fld id="{294A09A9-5501-47C1-A89A-A340965A2BE2}" type="slidenum">
+              <a:rPr lang="fr-FR" smtClean="0"/>
+              <a:pPr rtl="0"/>
+              <a:t>11</a:t>
+            </a:fld>
+            <a:endParaRPr lang="fr-FR"/>
+          </a:p>
+        </p:txBody>
+      </p:sp>
+      <p:sp>
+        <p:nvSpPr>
+          <p:cNvPr id="4" name="Espace réservé du pied de page 3">
+            <a:extLst>
+              <a:ext uri="{FF2B5EF4-FFF2-40B4-BE49-F238E27FC236}">
+                <a16:creationId xmlns:a16="http://schemas.microsoft.com/office/drawing/2014/main" id="{529E91F3-E1A0-DB4A-8CD8-D9D1AB0FFB40}"/>
+              </a:ext>
+            </a:extLst>
+          </p:cNvPr>
+          <p:cNvSpPr>
+            <a:spLocks noGrp="1"/>
+          </p:cNvSpPr>
+          <p:nvPr>
+            <p:ph type="ftr" sz="quarter" idx="22"/>
+          </p:nvPr>
+        </p:nvSpPr>
+        <p:spPr>
+          <a:xfrm>
+            <a:off x="1494790" y="6332220"/>
+            <a:ext cx="1497330" cy="247651"/>
+          </a:xfrm>
+        </p:spPr>
+        <p:txBody>
+          <a:bodyPr rtlCol="0"/>
+          <a:lstStyle/>
+          <a:p>
+            <a:pPr rtl="0"/>
+            <a:r>
+              <a:rPr lang="fr-FR" dirty="0" err="1"/>
+              <a:t>AirWatcher</a:t>
+            </a:r>
+            <a:endParaRPr lang="fr-FR" dirty="0"/>
+          </a:p>
+        </p:txBody>
+      </p:sp>
+      <p:sp>
+        <p:nvSpPr>
+          <p:cNvPr id="3" name="Espace réservé de la date 2">
+            <a:extLst>
+              <a:ext uri="{FF2B5EF4-FFF2-40B4-BE49-F238E27FC236}">
+                <a16:creationId xmlns:a16="http://schemas.microsoft.com/office/drawing/2014/main" id="{4D5B7634-ADBA-124F-B8CA-431F07F18D44}"/>
+              </a:ext>
+            </a:extLst>
+          </p:cNvPr>
+          <p:cNvSpPr>
+            <a:spLocks noGrp="1"/>
+          </p:cNvSpPr>
+          <p:nvPr>
+            <p:ph type="dt" sz="half" idx="21"/>
+          </p:nvPr>
+        </p:nvSpPr>
+        <p:spPr>
+          <a:xfrm>
+            <a:off x="2992120" y="6332220"/>
+            <a:ext cx="1313180" cy="247651"/>
+          </a:xfrm>
+        </p:spPr>
+        <p:txBody>
+          <a:bodyPr rtlCol="0"/>
+          <a:lstStyle/>
+          <a:p>
+            <a:pPr rtl="0"/>
+            <a:fld id="{96012727-D5AB-4EAD-B29A-A79D263D6E35}" type="datetime4">
+              <a:rPr lang="fr-FR" smtClean="0"/>
+              <a:t>6 juin 2023</a:t>
+            </a:fld>
+            <a:endParaRPr lang="fr-FR"/>
+          </a:p>
+        </p:txBody>
+      </p:sp>
+    </p:spTree>
+    <p:extLst>
+      <p:ext uri="{BB962C8B-B14F-4D97-AF65-F5344CB8AC3E}">
+        <p14:creationId xmlns:p14="http://schemas.microsoft.com/office/powerpoint/2010/main" val="1377987960"/>
+      </p:ext>
+    </p:extLst>
+  </p:cSld>
+  <p:clrMapOvr>
+    <a:masterClrMapping/>
+  </p:clrMapOvr>
+</p:sld>
+</file>
+
 <file path=ppt/slides/slide2.xml><?xml version="1.0" encoding="utf-8"?>
 <p:sld xmlns:a="http://schemas.openxmlformats.org/drawingml/2006/main" xmlns:r="http://schemas.openxmlformats.org/officeDocument/2006/relationships" xmlns:p="http://schemas.openxmlformats.org/presentationml/2006/main">
   <p:cSld>
@@ -14241,7 +14878,7 @@
                   <a:spcPts val="600"/>
                 </a:spcAft>
               </a:pPr>
-              <a:t>4 juin 2023</a:t>
+              <a:t>6 juin 2023</a:t>
             </a:fld>
             <a:endParaRPr lang="fr-FR"/>
           </a:p>
@@ -14623,7 +15260,7 @@
             <a:pPr rtl="0"/>
             <a:fld id="{29E50CD6-4086-4F74-BE9D-7473625CEF13}" type="datetime4">
               <a:rPr lang="fr-FR" smtClean="0"/>
-              <a:t>4 juin 2023</a:t>
+              <a:t>6 juin 2023</a:t>
             </a:fld>
             <a:endParaRPr lang="fr-FR"/>
           </a:p>
@@ -15185,7 +15822,7 @@
             <a:pPr rtl="0"/>
             <a:fld id="{29E50CD6-4086-4F74-BE9D-7473625CEF13}" type="datetime4">
               <a:rPr lang="fr-FR" smtClean="0"/>
-              <a:t>4 juin 2023</a:t>
+              <a:t>6 juin 2023</a:t>
             </a:fld>
             <a:endParaRPr lang="fr-FR"/>
           </a:p>
@@ -15476,7 +16113,7 @@
             <a:pPr rtl="0"/>
             <a:fld id="{7183E240-8096-4ECB-824A-3842611DC113}" type="datetime4">
               <a:rPr lang="fr-FR" smtClean="0"/>
-              <a:t>4 juin 2023</a:t>
+              <a:t>6 juin 2023</a:t>
             </a:fld>
             <a:endParaRPr lang="fr-FR"/>
           </a:p>
@@ -15696,7 +16333,7 @@
                   <a:spcPts val="600"/>
                 </a:spcAft>
               </a:pPr>
-              <a:t>4 juin 2023</a:t>
+              <a:t>6 juin 2023</a:t>
             </a:fld>
             <a:endParaRPr lang="fr-FR"/>
           </a:p>
@@ -15998,12 +16635,48 @@
             <a:pPr rtl="0"/>
             <a:fld id="{96012727-D5AB-4EAD-B29A-A79D263D6E35}" type="datetime4">
               <a:rPr lang="fr-FR" smtClean="0"/>
-              <a:t>4 juin 2023</a:t>
+              <a:t>6 juin 2023</a:t>
             </a:fld>
             <a:endParaRPr lang="fr-FR"/>
           </a:p>
         </p:txBody>
       </p:sp>
+      <p:pic>
+        <p:nvPicPr>
+          <p:cNvPr id="8" name="Image 7" descr="Une image contenant capture d’écran, diagramme, ligne, texte&#10;&#10;Description générée automatiquement">
+            <a:extLst>
+              <a:ext uri="{FF2B5EF4-FFF2-40B4-BE49-F238E27FC236}">
+                <a16:creationId xmlns:a16="http://schemas.microsoft.com/office/drawing/2014/main" id="{3309BAB6-5590-D901-54B0-DD4C428539C6}"/>
+              </a:ext>
+            </a:extLst>
+          </p:cNvPr>
+          <p:cNvPicPr>
+            <a:picLocks noChangeAspect="1"/>
+          </p:cNvPicPr>
+          <p:nvPr/>
+        </p:nvPicPr>
+        <p:blipFill>
+          <a:blip r:embed="rId3">
+            <a:extLst>
+              <a:ext uri="{28A0092B-C50C-407E-A947-70E740481C1C}">
+                <a14:useLocalDpi xmlns:a14="http://schemas.microsoft.com/office/drawing/2010/main" val="0"/>
+              </a:ext>
+            </a:extLst>
+          </a:blip>
+          <a:stretch>
+            <a:fillRect/>
+          </a:stretch>
+        </p:blipFill>
+        <p:spPr>
+          <a:xfrm>
+            <a:off x="964023" y="2288332"/>
+            <a:ext cx="9010650" cy="2971800"/>
+          </a:xfrm>
+          <a:prstGeom prst="rect">
+            <a:avLst/>
+          </a:prstGeom>
+        </p:spPr>
+      </p:pic>
     </p:spTree>
     <p:extLst>
       <p:ext uri="{BB962C8B-B14F-4D97-AF65-F5344CB8AC3E}">
@@ -16065,15 +16738,20 @@
             <a:pPr rtl="0"/>
             <a:r>
               <a:rPr lang="fr-FR" dirty="0"/>
-              <a:t>Procédure de test</a:t>
+              <a:t>Diagramme de séquence</a:t>
             </a:r>
             <a:br>
               <a:rPr lang="fr-FR" dirty="0"/>
             </a:br>
             <a:r>
               <a:rPr lang="fr-FR" sz="2700" b="0" i="1" dirty="0"/>
-              <a:t>Détection d’un capteur dysfonctionnel</a:t>
+              <a:t>Vérifier l’efficacité des air </a:t>
             </a:r>
+            <a:r>
+              <a:rPr lang="fr-FR" sz="2700" b="0" i="1" dirty="0" err="1"/>
+              <a:t>cleaners</a:t>
+            </a:r>
+            <a:endParaRPr lang="fr-FR" sz="2700" b="0" i="1" dirty="0"/>
           </a:p>
         </p:txBody>
       </p:sp>
@@ -16177,16 +16855,52 @@
             <a:pPr rtl="0"/>
             <a:fld id="{96012727-D5AB-4EAD-B29A-A79D263D6E35}" type="datetime4">
               <a:rPr lang="fr-FR" smtClean="0"/>
-              <a:t>4 juin 2023</a:t>
+              <a:t>6 juin 2023</a:t>
             </a:fld>
             <a:endParaRPr lang="fr-FR"/>
           </a:p>
         </p:txBody>
       </p:sp>
+      <p:pic>
+        <p:nvPicPr>
+          <p:cNvPr id="8" name="Image 7" descr="Une image contenant capture d’écran, diagramme, ligne, conception&#10;&#10;Description générée automatiquement">
+            <a:extLst>
+              <a:ext uri="{FF2B5EF4-FFF2-40B4-BE49-F238E27FC236}">
+                <a16:creationId xmlns:a16="http://schemas.microsoft.com/office/drawing/2014/main" id="{2C770441-1568-46C5-4155-CE2780FFD852}"/>
+              </a:ext>
+            </a:extLst>
+          </p:cNvPr>
+          <p:cNvPicPr>
+            <a:picLocks noChangeAspect="1"/>
+          </p:cNvPicPr>
+          <p:nvPr/>
+        </p:nvPicPr>
+        <p:blipFill>
+          <a:blip r:embed="rId3">
+            <a:extLst>
+              <a:ext uri="{28A0092B-C50C-407E-A947-70E740481C1C}">
+                <a14:useLocalDpi xmlns:a14="http://schemas.microsoft.com/office/drawing/2010/main" val="0"/>
+              </a:ext>
+            </a:extLst>
+          </a:blip>
+          <a:stretch>
+            <a:fillRect/>
+          </a:stretch>
+        </p:blipFill>
+        <p:spPr>
+          <a:xfrm>
+            <a:off x="881257" y="2425173"/>
+            <a:ext cx="8582025" cy="2971800"/>
+          </a:xfrm>
+          <a:prstGeom prst="rect">
+            <a:avLst/>
+          </a:prstGeom>
+        </p:spPr>
+      </p:pic>
     </p:spTree>
     <p:extLst>
       <p:ext uri="{BB962C8B-B14F-4D97-AF65-F5344CB8AC3E}">
-        <p14:creationId xmlns:p14="http://schemas.microsoft.com/office/powerpoint/2010/main" val="2945713897"/>
+        <p14:creationId xmlns:p14="http://schemas.microsoft.com/office/powerpoint/2010/main" val="1358387891"/>
       </p:ext>
     </p:extLst>
   </p:cSld>
@@ -16244,14 +16958,14 @@
             <a:pPr rtl="0"/>
             <a:r>
               <a:rPr lang="fr-FR" dirty="0"/>
-              <a:t>Algorithme pseudo-code</a:t>
+              <a:t>Diagramme de séquence</a:t>
             </a:r>
             <a:br>
               <a:rPr lang="fr-FR" dirty="0"/>
             </a:br>
             <a:r>
               <a:rPr lang="fr-FR" sz="2700" b="0" i="1" dirty="0"/>
-              <a:t>Détection d’un capteur dysfonctionnel</a:t>
+              <a:t>Trouver les zones similaires</a:t>
             </a:r>
           </a:p>
         </p:txBody>
@@ -16356,16 +17070,52 @@
             <a:pPr rtl="0"/>
             <a:fld id="{96012727-D5AB-4EAD-B29A-A79D263D6E35}" type="datetime4">
               <a:rPr lang="fr-FR" smtClean="0"/>
-              <a:t>4 juin 2023</a:t>
+              <a:t>6 juin 2023</a:t>
             </a:fld>
             <a:endParaRPr lang="fr-FR"/>
           </a:p>
         </p:txBody>
       </p:sp>
+      <p:pic>
+        <p:nvPicPr>
+          <p:cNvPr id="8" name="Image 7" descr="Une image contenant capture d’écran, diagramme, ligne, conception&#10;&#10;Description générée automatiquement">
+            <a:extLst>
+              <a:ext uri="{FF2B5EF4-FFF2-40B4-BE49-F238E27FC236}">
+                <a16:creationId xmlns:a16="http://schemas.microsoft.com/office/drawing/2014/main" id="{D79AE04F-FF63-BA2F-2B44-7A84A857D736}"/>
+              </a:ext>
+            </a:extLst>
+          </p:cNvPr>
+          <p:cNvPicPr>
+            <a:picLocks noChangeAspect="1"/>
+          </p:cNvPicPr>
+          <p:nvPr/>
+        </p:nvPicPr>
+        <p:blipFill>
+          <a:blip r:embed="rId3">
+            <a:extLst>
+              <a:ext uri="{28A0092B-C50C-407E-A947-70E740481C1C}">
+                <a14:useLocalDpi xmlns:a14="http://schemas.microsoft.com/office/drawing/2010/main" val="0"/>
+              </a:ext>
+            </a:extLst>
+          </a:blip>
+          <a:stretch>
+            <a:fillRect/>
+          </a:stretch>
+        </p:blipFill>
+        <p:spPr>
+          <a:xfrm>
+            <a:off x="964023" y="2425173"/>
+            <a:ext cx="8582025" cy="2971800"/>
+          </a:xfrm>
+          <a:prstGeom prst="rect">
+            <a:avLst/>
+          </a:prstGeom>
+        </p:spPr>
+      </p:pic>
     </p:spTree>
     <p:extLst>
       <p:ext uri="{BB962C8B-B14F-4D97-AF65-F5344CB8AC3E}">
-        <p14:creationId xmlns:p14="http://schemas.microsoft.com/office/powerpoint/2010/main" val="1377987960"/>
+        <p14:creationId xmlns:p14="http://schemas.microsoft.com/office/powerpoint/2010/main" val="821686821"/>
       </p:ext>
     </p:extLst>
   </p:cSld>
